--- a/resources/ppt-slides/sequence-data-sequence.pptx
+++ b/resources/ppt-slides/sequence-data-sequence.pptx
@@ -249,7 +249,7 @@
           <a:p>
             <a:fld id="{964302DC-9F53-934F-AE4D-0F1F197008C1}" type="datetimeFigureOut">
               <a:rPr lang="en-US" smtClean="0"/>
-              <a:t>2/9/24</a:t>
+              <a:t>1/23/24</a:t>
             </a:fld>
             <a:endParaRPr lang="en-US"/>
           </a:p>
@@ -419,7 +419,7 @@
           <a:p>
             <a:fld id="{964302DC-9F53-934F-AE4D-0F1F197008C1}" type="datetimeFigureOut">
               <a:rPr lang="en-US" smtClean="0"/>
-              <a:t>2/9/24</a:t>
+              <a:t>1/23/24</a:t>
             </a:fld>
             <a:endParaRPr lang="en-US"/>
           </a:p>
@@ -599,7 +599,7 @@
           <a:p>
             <a:fld id="{964302DC-9F53-934F-AE4D-0F1F197008C1}" type="datetimeFigureOut">
               <a:rPr lang="en-US" smtClean="0"/>
-              <a:t>2/9/24</a:t>
+              <a:t>1/23/24</a:t>
             </a:fld>
             <a:endParaRPr lang="en-US"/>
           </a:p>
@@ -769,7 +769,7 @@
           <a:p>
             <a:fld id="{964302DC-9F53-934F-AE4D-0F1F197008C1}" type="datetimeFigureOut">
               <a:rPr lang="en-US" smtClean="0"/>
-              <a:t>2/9/24</a:t>
+              <a:t>1/23/24</a:t>
             </a:fld>
             <a:endParaRPr lang="en-US"/>
           </a:p>
@@ -1013,7 +1013,7 @@
           <a:p>
             <a:fld id="{964302DC-9F53-934F-AE4D-0F1F197008C1}" type="datetimeFigureOut">
               <a:rPr lang="en-US" smtClean="0"/>
-              <a:t>2/9/24</a:t>
+              <a:t>1/23/24</a:t>
             </a:fld>
             <a:endParaRPr lang="en-US"/>
           </a:p>
@@ -1245,7 +1245,7 @@
           <a:p>
             <a:fld id="{964302DC-9F53-934F-AE4D-0F1F197008C1}" type="datetimeFigureOut">
               <a:rPr lang="en-US" smtClean="0"/>
-              <a:t>2/9/24</a:t>
+              <a:t>1/23/24</a:t>
             </a:fld>
             <a:endParaRPr lang="en-US"/>
           </a:p>
@@ -1612,7 +1612,7 @@
           <a:p>
             <a:fld id="{964302DC-9F53-934F-AE4D-0F1F197008C1}" type="datetimeFigureOut">
               <a:rPr lang="en-US" smtClean="0"/>
-              <a:t>2/9/24</a:t>
+              <a:t>1/23/24</a:t>
             </a:fld>
             <a:endParaRPr lang="en-US"/>
           </a:p>
@@ -1730,7 +1730,7 @@
           <a:p>
             <a:fld id="{964302DC-9F53-934F-AE4D-0F1F197008C1}" type="datetimeFigureOut">
               <a:rPr lang="en-US" smtClean="0"/>
-              <a:t>2/9/24</a:t>
+              <a:t>1/23/24</a:t>
             </a:fld>
             <a:endParaRPr lang="en-US"/>
           </a:p>
@@ -1825,7 +1825,7 @@
           <a:p>
             <a:fld id="{964302DC-9F53-934F-AE4D-0F1F197008C1}" type="datetimeFigureOut">
               <a:rPr lang="en-US" smtClean="0"/>
-              <a:t>2/9/24</a:t>
+              <a:t>1/23/24</a:t>
             </a:fld>
             <a:endParaRPr lang="en-US"/>
           </a:p>
@@ -2102,7 +2102,7 @@
           <a:p>
             <a:fld id="{964302DC-9F53-934F-AE4D-0F1F197008C1}" type="datetimeFigureOut">
               <a:rPr lang="en-US" smtClean="0"/>
-              <a:t>2/9/24</a:t>
+              <a:t>1/23/24</a:t>
             </a:fld>
             <a:endParaRPr lang="en-US"/>
           </a:p>
@@ -2359,7 +2359,7 @@
           <a:p>
             <a:fld id="{964302DC-9F53-934F-AE4D-0F1F197008C1}" type="datetimeFigureOut">
               <a:rPr lang="en-US" smtClean="0"/>
-              <a:t>2/9/24</a:t>
+              <a:t>1/23/24</a:t>
             </a:fld>
             <a:endParaRPr lang="en-US"/>
           </a:p>
@@ -2581,7 +2581,7 @@
           <a:p>
             <a:fld id="{964302DC-9F53-934F-AE4D-0F1F197008C1}" type="datetimeFigureOut">
               <a:rPr lang="en-US" smtClean="0"/>
-              <a:t>2/9/24</a:t>
+              <a:t>1/23/24</a:t>
             </a:fld>
             <a:endParaRPr lang="en-US"/>
           </a:p>
@@ -7306,6 +7306,222 @@
       </p:sp>
       <p:sp>
         <p:nvSpPr>
+          <p:cNvPr id="27" name="Rectangle 26">
+            <a:extLst>
+              <a:ext uri="{FF2B5EF4-FFF2-40B4-BE49-F238E27FC236}">
+                <a16:creationId xmlns:a16="http://schemas.microsoft.com/office/drawing/2014/main" id="{81B64E77-848B-DD58-27DD-4EBB38725456}"/>
+              </a:ext>
+            </a:extLst>
+          </p:cNvPr>
+          <p:cNvSpPr/>
+          <p:nvPr/>
+        </p:nvSpPr>
+        <p:spPr>
+          <a:xfrm>
+            <a:off x="3006083" y="2673820"/>
+            <a:ext cx="1654299" cy="215009"/>
+          </a:xfrm>
+          <a:custGeom>
+            <a:avLst/>
+            <a:gdLst>
+              <a:gd name="connsiteX0" fmla="*/ 0 w 1654299"/>
+              <a:gd name="connsiteY0" fmla="*/ 0 h 215009"/>
+              <a:gd name="connsiteX1" fmla="*/ 584519 w 1654299"/>
+              <a:gd name="connsiteY1" fmla="*/ 0 h 215009"/>
+              <a:gd name="connsiteX2" fmla="*/ 1152495 w 1654299"/>
+              <a:gd name="connsiteY2" fmla="*/ 0 h 215009"/>
+              <a:gd name="connsiteX3" fmla="*/ 1654299 w 1654299"/>
+              <a:gd name="connsiteY3" fmla="*/ 0 h 215009"/>
+              <a:gd name="connsiteX4" fmla="*/ 1654299 w 1654299"/>
+              <a:gd name="connsiteY4" fmla="*/ 215009 h 215009"/>
+              <a:gd name="connsiteX5" fmla="*/ 1135952 w 1654299"/>
+              <a:gd name="connsiteY5" fmla="*/ 215009 h 215009"/>
+              <a:gd name="connsiteX6" fmla="*/ 584519 w 1654299"/>
+              <a:gd name="connsiteY6" fmla="*/ 215009 h 215009"/>
+              <a:gd name="connsiteX7" fmla="*/ 0 w 1654299"/>
+              <a:gd name="connsiteY7" fmla="*/ 215009 h 215009"/>
+              <a:gd name="connsiteX8" fmla="*/ 0 w 1654299"/>
+              <a:gd name="connsiteY8" fmla="*/ 0 h 215009"/>
+            </a:gdLst>
+            <a:ahLst/>
+            <a:cxnLst>
+              <a:cxn ang="0">
+                <a:pos x="connsiteX0" y="connsiteY0"/>
+              </a:cxn>
+              <a:cxn ang="0">
+                <a:pos x="connsiteX1" y="connsiteY1"/>
+              </a:cxn>
+              <a:cxn ang="0">
+                <a:pos x="connsiteX2" y="connsiteY2"/>
+              </a:cxn>
+              <a:cxn ang="0">
+                <a:pos x="connsiteX3" y="connsiteY3"/>
+              </a:cxn>
+              <a:cxn ang="0">
+                <a:pos x="connsiteX4" y="connsiteY4"/>
+              </a:cxn>
+              <a:cxn ang="0">
+                <a:pos x="connsiteX5" y="connsiteY5"/>
+              </a:cxn>
+              <a:cxn ang="0">
+                <a:pos x="connsiteX6" y="connsiteY6"/>
+              </a:cxn>
+              <a:cxn ang="0">
+                <a:pos x="connsiteX7" y="connsiteY7"/>
+              </a:cxn>
+              <a:cxn ang="0">
+                <a:pos x="connsiteX8" y="connsiteY8"/>
+              </a:cxn>
+            </a:cxnLst>
+            <a:rect l="l" t="t" r="r" b="b"/>
+            <a:pathLst>
+              <a:path w="1654299" h="215009" fill="none" extrusionOk="0">
+                <a:moveTo>
+                  <a:pt x="0" y="0"/>
+                </a:moveTo>
+                <a:cubicBezTo>
+                  <a:pt x="210479" y="15519"/>
+                  <a:pt x="441142" y="5848"/>
+                  <a:pt x="584519" y="0"/>
+                </a:cubicBezTo>
+                <a:cubicBezTo>
+                  <a:pt x="727896" y="-5848"/>
+                  <a:pt x="990191" y="28206"/>
+                  <a:pt x="1152495" y="0"/>
+                </a:cubicBezTo>
+                <a:cubicBezTo>
+                  <a:pt x="1314799" y="-28206"/>
+                  <a:pt x="1409920" y="-13119"/>
+                  <a:pt x="1654299" y="0"/>
+                </a:cubicBezTo>
+                <a:cubicBezTo>
+                  <a:pt x="1649031" y="80377"/>
+                  <a:pt x="1652697" y="113549"/>
+                  <a:pt x="1654299" y="215009"/>
+                </a:cubicBezTo>
+                <a:cubicBezTo>
+                  <a:pt x="1506384" y="218396"/>
+                  <a:pt x="1272831" y="229618"/>
+                  <a:pt x="1135952" y="215009"/>
+                </a:cubicBezTo>
+                <a:cubicBezTo>
+                  <a:pt x="999073" y="200400"/>
+                  <a:pt x="848198" y="226202"/>
+                  <a:pt x="584519" y="215009"/>
+                </a:cubicBezTo>
+                <a:cubicBezTo>
+                  <a:pt x="320840" y="203816"/>
+                  <a:pt x="273152" y="222675"/>
+                  <a:pt x="0" y="215009"/>
+                </a:cubicBezTo>
+                <a:cubicBezTo>
+                  <a:pt x="-2438" y="123297"/>
+                  <a:pt x="-3410" y="83469"/>
+                  <a:pt x="0" y="0"/>
+                </a:cubicBezTo>
+                <a:close/>
+              </a:path>
+              <a:path w="1654299" h="215009" stroke="0" extrusionOk="0">
+                <a:moveTo>
+                  <a:pt x="0" y="0"/>
+                </a:moveTo>
+                <a:cubicBezTo>
+                  <a:pt x="216923" y="-21430"/>
+                  <a:pt x="293677" y="-7800"/>
+                  <a:pt x="534890" y="0"/>
+                </a:cubicBezTo>
+                <a:cubicBezTo>
+                  <a:pt x="776103" y="7800"/>
+                  <a:pt x="821079" y="-7366"/>
+                  <a:pt x="1036694" y="0"/>
+                </a:cubicBezTo>
+                <a:cubicBezTo>
+                  <a:pt x="1252309" y="7366"/>
+                  <a:pt x="1442164" y="16616"/>
+                  <a:pt x="1654299" y="0"/>
+                </a:cubicBezTo>
+                <a:cubicBezTo>
+                  <a:pt x="1661184" y="67152"/>
+                  <a:pt x="1644782" y="156295"/>
+                  <a:pt x="1654299" y="215009"/>
+                </a:cubicBezTo>
+                <a:cubicBezTo>
+                  <a:pt x="1396623" y="238631"/>
+                  <a:pt x="1378947" y="202620"/>
+                  <a:pt x="1135952" y="215009"/>
+                </a:cubicBezTo>
+                <a:cubicBezTo>
+                  <a:pt x="892957" y="227398"/>
+                  <a:pt x="765362" y="229871"/>
+                  <a:pt x="551433" y="215009"/>
+                </a:cubicBezTo>
+                <a:cubicBezTo>
+                  <a:pt x="337504" y="200147"/>
+                  <a:pt x="219438" y="194351"/>
+                  <a:pt x="0" y="215009"/>
+                </a:cubicBezTo>
+                <a:cubicBezTo>
+                  <a:pt x="5572" y="114517"/>
+                  <a:pt x="-6554" y="52986"/>
+                  <a:pt x="0" y="0"/>
+                </a:cubicBezTo>
+                <a:close/>
+              </a:path>
+            </a:pathLst>
+          </a:custGeom>
+          <a:solidFill>
+            <a:schemeClr val="accent4">
+              <a:lumMod val="60000"/>
+              <a:lumOff val="40000"/>
+            </a:schemeClr>
+          </a:solidFill>
+          <a:ln w="12700">
+            <a:solidFill>
+              <a:schemeClr val="tx1"/>
+            </a:solidFill>
+            <a:extLst>
+              <a:ext uri="{C807C97D-BFC1-408E-A445-0C87EB9F89A2}">
+                <ask:lineSketchStyleProps xmlns:ask="http://schemas.microsoft.com/office/drawing/2018/sketchyshapes" sd="1219033472">
+                  <a:prstGeom prst="rect">
+                    <a:avLst/>
+                  </a:prstGeom>
+                  <ask:type>
+                    <ask:lineSketchFreehand/>
+                  </ask:type>
+                </ask:lineSketchStyleProps>
+              </a:ext>
+            </a:extLst>
+          </a:ln>
+          <a:effectLst/>
+        </p:spPr>
+        <p:style>
+          <a:lnRef idx="1">
+            <a:schemeClr val="accent4"/>
+          </a:lnRef>
+          <a:fillRef idx="2">
+            <a:schemeClr val="accent4"/>
+          </a:fillRef>
+          <a:effectRef idx="1">
+            <a:schemeClr val="accent4"/>
+          </a:effectRef>
+          <a:fontRef idx="minor">
+            <a:schemeClr val="dk1"/>
+          </a:fontRef>
+        </p:style>
+        <p:txBody>
+          <a:bodyPr rtlCol="0" anchor="ctr"/>
+          <a:lstStyle/>
+          <a:p>
+            <a:pPr algn="ctr"/>
+            <a:r>
+              <a:rPr lang="en-US" sz="1200" dirty="0"/>
+              <a:t>Load into memory</a:t>
+            </a:r>
+          </a:p>
+        </p:txBody>
+      </p:sp>
+      <p:sp>
+        <p:nvSpPr>
           <p:cNvPr id="28" name="TextBox 27">
             <a:extLst>
               <a:ext uri="{FF2B5EF4-FFF2-40B4-BE49-F238E27FC236}">
@@ -9741,6 +9957,276 @@
           </p:txBody>
         </p:sp>
       </p:grpSp>
+      <p:sp>
+        <p:nvSpPr>
+          <p:cNvPr id="4" name="Oval 3">
+            <a:extLst>
+              <a:ext uri="{FF2B5EF4-FFF2-40B4-BE49-F238E27FC236}">
+                <a16:creationId xmlns:a16="http://schemas.microsoft.com/office/drawing/2014/main" id="{401C84FC-30BB-CF33-190C-9F4EC3A56DA8}"/>
+              </a:ext>
+            </a:extLst>
+          </p:cNvPr>
+          <p:cNvSpPr/>
+          <p:nvPr/>
+        </p:nvSpPr>
+        <p:spPr>
+          <a:xfrm>
+            <a:off x="87231" y="3308561"/>
+            <a:ext cx="2008257" cy="646907"/>
+          </a:xfrm>
+          <a:prstGeom prst="ellipse">
+            <a:avLst/>
+          </a:prstGeom>
+          <a:noFill/>
+          <a:ln w="34925">
+            <a:solidFill>
+              <a:schemeClr val="accent2">
+                <a:lumMod val="75000"/>
+              </a:schemeClr>
+            </a:solidFill>
+          </a:ln>
+        </p:spPr>
+        <p:style>
+          <a:lnRef idx="2">
+            <a:schemeClr val="accent1">
+              <a:shade val="15000"/>
+            </a:schemeClr>
+          </a:lnRef>
+          <a:fillRef idx="1">
+            <a:schemeClr val="accent1"/>
+          </a:fillRef>
+          <a:effectRef idx="0">
+            <a:schemeClr val="accent1"/>
+          </a:effectRef>
+          <a:fontRef idx="minor">
+            <a:schemeClr val="lt1"/>
+          </a:fontRef>
+        </p:style>
+        <p:txBody>
+          <a:bodyPr rtlCol="0" anchor="ctr"/>
+          <a:lstStyle/>
+          <a:p>
+            <a:pPr algn="ctr"/>
+            <a:endParaRPr lang="en-US"/>
+          </a:p>
+        </p:txBody>
+      </p:sp>
+      <p:sp>
+        <p:nvSpPr>
+          <p:cNvPr id="6" name="Rectangle 5">
+            <a:extLst>
+              <a:ext uri="{FF2B5EF4-FFF2-40B4-BE49-F238E27FC236}">
+                <a16:creationId xmlns:a16="http://schemas.microsoft.com/office/drawing/2014/main" id="{35570A78-7506-95C2-007C-30FA4D3BF37C}"/>
+              </a:ext>
+            </a:extLst>
+          </p:cNvPr>
+          <p:cNvSpPr/>
+          <p:nvPr/>
+        </p:nvSpPr>
+        <p:spPr>
+          <a:xfrm>
+            <a:off x="101460" y="2652820"/>
+            <a:ext cx="1654299" cy="215009"/>
+          </a:xfrm>
+          <a:custGeom>
+            <a:avLst/>
+            <a:gdLst>
+              <a:gd name="connsiteX0" fmla="*/ 0 w 1654299"/>
+              <a:gd name="connsiteY0" fmla="*/ 0 h 215009"/>
+              <a:gd name="connsiteX1" fmla="*/ 584519 w 1654299"/>
+              <a:gd name="connsiteY1" fmla="*/ 0 h 215009"/>
+              <a:gd name="connsiteX2" fmla="*/ 1152495 w 1654299"/>
+              <a:gd name="connsiteY2" fmla="*/ 0 h 215009"/>
+              <a:gd name="connsiteX3" fmla="*/ 1654299 w 1654299"/>
+              <a:gd name="connsiteY3" fmla="*/ 0 h 215009"/>
+              <a:gd name="connsiteX4" fmla="*/ 1654299 w 1654299"/>
+              <a:gd name="connsiteY4" fmla="*/ 215009 h 215009"/>
+              <a:gd name="connsiteX5" fmla="*/ 1135952 w 1654299"/>
+              <a:gd name="connsiteY5" fmla="*/ 215009 h 215009"/>
+              <a:gd name="connsiteX6" fmla="*/ 584519 w 1654299"/>
+              <a:gd name="connsiteY6" fmla="*/ 215009 h 215009"/>
+              <a:gd name="connsiteX7" fmla="*/ 0 w 1654299"/>
+              <a:gd name="connsiteY7" fmla="*/ 215009 h 215009"/>
+              <a:gd name="connsiteX8" fmla="*/ 0 w 1654299"/>
+              <a:gd name="connsiteY8" fmla="*/ 0 h 215009"/>
+            </a:gdLst>
+            <a:ahLst/>
+            <a:cxnLst>
+              <a:cxn ang="0">
+                <a:pos x="connsiteX0" y="connsiteY0"/>
+              </a:cxn>
+              <a:cxn ang="0">
+                <a:pos x="connsiteX1" y="connsiteY1"/>
+              </a:cxn>
+              <a:cxn ang="0">
+                <a:pos x="connsiteX2" y="connsiteY2"/>
+              </a:cxn>
+              <a:cxn ang="0">
+                <a:pos x="connsiteX3" y="connsiteY3"/>
+              </a:cxn>
+              <a:cxn ang="0">
+                <a:pos x="connsiteX4" y="connsiteY4"/>
+              </a:cxn>
+              <a:cxn ang="0">
+                <a:pos x="connsiteX5" y="connsiteY5"/>
+              </a:cxn>
+              <a:cxn ang="0">
+                <a:pos x="connsiteX6" y="connsiteY6"/>
+              </a:cxn>
+              <a:cxn ang="0">
+                <a:pos x="connsiteX7" y="connsiteY7"/>
+              </a:cxn>
+              <a:cxn ang="0">
+                <a:pos x="connsiteX8" y="connsiteY8"/>
+              </a:cxn>
+            </a:cxnLst>
+            <a:rect l="l" t="t" r="r" b="b"/>
+            <a:pathLst>
+              <a:path w="1654299" h="215009" fill="none" extrusionOk="0">
+                <a:moveTo>
+                  <a:pt x="0" y="0"/>
+                </a:moveTo>
+                <a:cubicBezTo>
+                  <a:pt x="210479" y="15519"/>
+                  <a:pt x="441142" y="5848"/>
+                  <a:pt x="584519" y="0"/>
+                </a:cubicBezTo>
+                <a:cubicBezTo>
+                  <a:pt x="727896" y="-5848"/>
+                  <a:pt x="990191" y="28206"/>
+                  <a:pt x="1152495" y="0"/>
+                </a:cubicBezTo>
+                <a:cubicBezTo>
+                  <a:pt x="1314799" y="-28206"/>
+                  <a:pt x="1409920" y="-13119"/>
+                  <a:pt x="1654299" y="0"/>
+                </a:cubicBezTo>
+                <a:cubicBezTo>
+                  <a:pt x="1649031" y="80377"/>
+                  <a:pt x="1652697" y="113549"/>
+                  <a:pt x="1654299" y="215009"/>
+                </a:cubicBezTo>
+                <a:cubicBezTo>
+                  <a:pt x="1506384" y="218396"/>
+                  <a:pt x="1272831" y="229618"/>
+                  <a:pt x="1135952" y="215009"/>
+                </a:cubicBezTo>
+                <a:cubicBezTo>
+                  <a:pt x="999073" y="200400"/>
+                  <a:pt x="848198" y="226202"/>
+                  <a:pt x="584519" y="215009"/>
+                </a:cubicBezTo>
+                <a:cubicBezTo>
+                  <a:pt x="320840" y="203816"/>
+                  <a:pt x="273152" y="222675"/>
+                  <a:pt x="0" y="215009"/>
+                </a:cubicBezTo>
+                <a:cubicBezTo>
+                  <a:pt x="-2438" y="123297"/>
+                  <a:pt x="-3410" y="83469"/>
+                  <a:pt x="0" y="0"/>
+                </a:cubicBezTo>
+                <a:close/>
+              </a:path>
+              <a:path w="1654299" h="215009" stroke="0" extrusionOk="0">
+                <a:moveTo>
+                  <a:pt x="0" y="0"/>
+                </a:moveTo>
+                <a:cubicBezTo>
+                  <a:pt x="216923" y="-21430"/>
+                  <a:pt x="293677" y="-7800"/>
+                  <a:pt x="534890" y="0"/>
+                </a:cubicBezTo>
+                <a:cubicBezTo>
+                  <a:pt x="776103" y="7800"/>
+                  <a:pt x="821079" y="-7366"/>
+                  <a:pt x="1036694" y="0"/>
+                </a:cubicBezTo>
+                <a:cubicBezTo>
+                  <a:pt x="1252309" y="7366"/>
+                  <a:pt x="1442164" y="16616"/>
+                  <a:pt x="1654299" y="0"/>
+                </a:cubicBezTo>
+                <a:cubicBezTo>
+                  <a:pt x="1661184" y="67152"/>
+                  <a:pt x="1644782" y="156295"/>
+                  <a:pt x="1654299" y="215009"/>
+                </a:cubicBezTo>
+                <a:cubicBezTo>
+                  <a:pt x="1396623" y="238631"/>
+                  <a:pt x="1378947" y="202620"/>
+                  <a:pt x="1135952" y="215009"/>
+                </a:cubicBezTo>
+                <a:cubicBezTo>
+                  <a:pt x="892957" y="227398"/>
+                  <a:pt x="765362" y="229871"/>
+                  <a:pt x="551433" y="215009"/>
+                </a:cubicBezTo>
+                <a:cubicBezTo>
+                  <a:pt x="337504" y="200147"/>
+                  <a:pt x="219438" y="194351"/>
+                  <a:pt x="0" y="215009"/>
+                </a:cubicBezTo>
+                <a:cubicBezTo>
+                  <a:pt x="5572" y="114517"/>
+                  <a:pt x="-6554" y="52986"/>
+                  <a:pt x="0" y="0"/>
+                </a:cubicBezTo>
+                <a:close/>
+              </a:path>
+            </a:pathLst>
+          </a:custGeom>
+          <a:solidFill>
+            <a:schemeClr val="accent4">
+              <a:lumMod val="60000"/>
+              <a:lumOff val="40000"/>
+            </a:schemeClr>
+          </a:solidFill>
+          <a:ln w="12700">
+            <a:solidFill>
+              <a:schemeClr val="tx1"/>
+            </a:solidFill>
+            <a:extLst>
+              <a:ext uri="{C807C97D-BFC1-408E-A445-0C87EB9F89A2}">
+                <ask:lineSketchStyleProps xmlns:ask="http://schemas.microsoft.com/office/drawing/2018/sketchyshapes" sd="1219033472">
+                  <a:prstGeom prst="rect">
+                    <a:avLst/>
+                  </a:prstGeom>
+                  <ask:type>
+                    <ask:lineSketchFreehand/>
+                  </ask:type>
+                </ask:lineSketchStyleProps>
+              </a:ext>
+            </a:extLst>
+          </a:ln>
+          <a:effectLst/>
+        </p:spPr>
+        <p:style>
+          <a:lnRef idx="1">
+            <a:schemeClr val="accent4"/>
+          </a:lnRef>
+          <a:fillRef idx="2">
+            <a:schemeClr val="accent4"/>
+          </a:fillRef>
+          <a:effectRef idx="1">
+            <a:schemeClr val="accent4"/>
+          </a:effectRef>
+          <a:fontRef idx="minor">
+            <a:schemeClr val="dk1"/>
+          </a:fontRef>
+        </p:style>
+        <p:txBody>
+          <a:bodyPr rtlCol="0" anchor="ctr"/>
+          <a:lstStyle/>
+          <a:p>
+            <a:pPr algn="ctr"/>
+            <a:r>
+              <a:rPr lang="en-US" sz="1200" dirty="0"/>
+              <a:t>Program counter</a:t>
+            </a:r>
+          </a:p>
+        </p:txBody>
+      </p:sp>
       <p:cxnSp>
         <p:nvCxnSpPr>
           <p:cNvPr id="20" name="Straight Arrow Connector 18">
@@ -9752,14 +10238,15 @@
           </p:cNvPr>
           <p:cNvCxnSpPr>
             <a:cxnSpLocks/>
+            <a:stCxn id="6" idx="0"/>
             <a:endCxn id="16" idx="1"/>
           </p:cNvCxnSpPr>
           <p:nvPr/>
         </p:nvCxnSpPr>
         <p:spPr>
           <a:xfrm rot="5400000" flipH="1" flipV="1">
-            <a:off x="324878" y="1407377"/>
-            <a:ext cx="2530320" cy="1322853"/>
+            <a:off x="665449" y="1066805"/>
+            <a:ext cx="1849177" cy="1322855"/>
           </a:xfrm>
           <a:prstGeom prst="curvedConnector2">
             <a:avLst/>
@@ -9769,6 +10256,54 @@
               <a:schemeClr val="accent2"/>
             </a:solidFill>
             <a:tailEnd type="arrow"/>
+          </a:ln>
+        </p:spPr>
+        <p:style>
+          <a:lnRef idx="1">
+            <a:schemeClr val="accent1"/>
+          </a:lnRef>
+          <a:fillRef idx="0">
+            <a:schemeClr val="accent1"/>
+          </a:fillRef>
+          <a:effectRef idx="0">
+            <a:schemeClr val="accent1"/>
+          </a:effectRef>
+          <a:fontRef idx="minor">
+            <a:schemeClr val="tx1"/>
+          </a:fontRef>
+        </p:style>
+      </p:cxnSp>
+      <p:cxnSp>
+        <p:nvCxnSpPr>
+          <p:cNvPr id="34" name="Straight Arrow Connector 18">
+            <a:extLst>
+              <a:ext uri="{FF2B5EF4-FFF2-40B4-BE49-F238E27FC236}">
+                <a16:creationId xmlns:a16="http://schemas.microsoft.com/office/drawing/2014/main" id="{FB21E11A-5E05-DC1C-B4D1-D69BF63BC7D2}"/>
+              </a:ext>
+            </a:extLst>
+          </p:cNvPr>
+          <p:cNvCxnSpPr>
+            <a:cxnSpLocks/>
+            <a:stCxn id="4" idx="0"/>
+            <a:endCxn id="6" idx="2"/>
+          </p:cNvCxnSpPr>
+          <p:nvPr/>
+        </p:nvCxnSpPr>
+        <p:spPr>
+          <a:xfrm rot="16200000" flipV="1">
+            <a:off x="789619" y="3006820"/>
+            <a:ext cx="440732" cy="162750"/>
+          </a:xfrm>
+          <a:prstGeom prst="curvedConnector3">
+            <a:avLst>
+              <a:gd name="adj1" fmla="val 50000"/>
+            </a:avLst>
+          </a:prstGeom>
+          <a:ln w="38100">
+            <a:solidFill>
+              <a:schemeClr val="accent2"/>
+            </a:solidFill>
+            <a:tailEnd type="triangle"/>
           </a:ln>
         </p:spPr>
         <p:style>
@@ -10242,60 +10777,6 @@
               <a:rPr lang="en-US" dirty="0"/>
               <a:t>./hello-world</a:t>
             </a:r>
-          </a:p>
-        </p:txBody>
-      </p:sp>
-      <p:sp>
-        <p:nvSpPr>
-          <p:cNvPr id="4" name="Oval 3">
-            <a:extLst>
-              <a:ext uri="{FF2B5EF4-FFF2-40B4-BE49-F238E27FC236}">
-                <a16:creationId xmlns:a16="http://schemas.microsoft.com/office/drawing/2014/main" id="{401C84FC-30BB-CF33-190C-9F4EC3A56DA8}"/>
-              </a:ext>
-            </a:extLst>
-          </p:cNvPr>
-          <p:cNvSpPr/>
-          <p:nvPr/>
-        </p:nvSpPr>
-        <p:spPr>
-          <a:xfrm>
-            <a:off x="87231" y="3308561"/>
-            <a:ext cx="2008257" cy="646907"/>
-          </a:xfrm>
-          <a:prstGeom prst="ellipse">
-            <a:avLst/>
-          </a:prstGeom>
-          <a:noFill/>
-          <a:ln w="34925">
-            <a:solidFill>
-              <a:schemeClr val="accent2">
-                <a:lumMod val="75000"/>
-              </a:schemeClr>
-            </a:solidFill>
-          </a:ln>
-        </p:spPr>
-        <p:style>
-          <a:lnRef idx="2">
-            <a:schemeClr val="accent1">
-              <a:shade val="15000"/>
-            </a:schemeClr>
-          </a:lnRef>
-          <a:fillRef idx="1">
-            <a:schemeClr val="accent1"/>
-          </a:fillRef>
-          <a:effectRef idx="0">
-            <a:schemeClr val="accent1"/>
-          </a:effectRef>
-          <a:fontRef idx="minor">
-            <a:schemeClr val="lt1"/>
-          </a:fontRef>
-        </p:style>
-        <p:txBody>
-          <a:bodyPr rtlCol="0" anchor="ctr"/>
-          <a:lstStyle/>
-          <a:p>
-            <a:pPr algn="ctr"/>
-            <a:endParaRPr lang="en-US"/>
           </a:p>
         </p:txBody>
       </p:sp>
@@ -11906,6 +12387,222 @@
           </p:txBody>
         </p:sp>
       </p:grpSp>
+      <p:sp>
+        <p:nvSpPr>
+          <p:cNvPr id="6" name="Rectangle 5">
+            <a:extLst>
+              <a:ext uri="{FF2B5EF4-FFF2-40B4-BE49-F238E27FC236}">
+                <a16:creationId xmlns:a16="http://schemas.microsoft.com/office/drawing/2014/main" id="{35570A78-7506-95C2-007C-30FA4D3BF37C}"/>
+              </a:ext>
+            </a:extLst>
+          </p:cNvPr>
+          <p:cNvSpPr/>
+          <p:nvPr/>
+        </p:nvSpPr>
+        <p:spPr>
+          <a:xfrm>
+            <a:off x="3249742" y="690741"/>
+            <a:ext cx="1654299" cy="215009"/>
+          </a:xfrm>
+          <a:custGeom>
+            <a:avLst/>
+            <a:gdLst>
+              <a:gd name="connsiteX0" fmla="*/ 0 w 1654299"/>
+              <a:gd name="connsiteY0" fmla="*/ 0 h 215009"/>
+              <a:gd name="connsiteX1" fmla="*/ 584519 w 1654299"/>
+              <a:gd name="connsiteY1" fmla="*/ 0 h 215009"/>
+              <a:gd name="connsiteX2" fmla="*/ 1152495 w 1654299"/>
+              <a:gd name="connsiteY2" fmla="*/ 0 h 215009"/>
+              <a:gd name="connsiteX3" fmla="*/ 1654299 w 1654299"/>
+              <a:gd name="connsiteY3" fmla="*/ 0 h 215009"/>
+              <a:gd name="connsiteX4" fmla="*/ 1654299 w 1654299"/>
+              <a:gd name="connsiteY4" fmla="*/ 215009 h 215009"/>
+              <a:gd name="connsiteX5" fmla="*/ 1135952 w 1654299"/>
+              <a:gd name="connsiteY5" fmla="*/ 215009 h 215009"/>
+              <a:gd name="connsiteX6" fmla="*/ 584519 w 1654299"/>
+              <a:gd name="connsiteY6" fmla="*/ 215009 h 215009"/>
+              <a:gd name="connsiteX7" fmla="*/ 0 w 1654299"/>
+              <a:gd name="connsiteY7" fmla="*/ 215009 h 215009"/>
+              <a:gd name="connsiteX8" fmla="*/ 0 w 1654299"/>
+              <a:gd name="connsiteY8" fmla="*/ 0 h 215009"/>
+            </a:gdLst>
+            <a:ahLst/>
+            <a:cxnLst>
+              <a:cxn ang="0">
+                <a:pos x="connsiteX0" y="connsiteY0"/>
+              </a:cxn>
+              <a:cxn ang="0">
+                <a:pos x="connsiteX1" y="connsiteY1"/>
+              </a:cxn>
+              <a:cxn ang="0">
+                <a:pos x="connsiteX2" y="connsiteY2"/>
+              </a:cxn>
+              <a:cxn ang="0">
+                <a:pos x="connsiteX3" y="connsiteY3"/>
+              </a:cxn>
+              <a:cxn ang="0">
+                <a:pos x="connsiteX4" y="connsiteY4"/>
+              </a:cxn>
+              <a:cxn ang="0">
+                <a:pos x="connsiteX5" y="connsiteY5"/>
+              </a:cxn>
+              <a:cxn ang="0">
+                <a:pos x="connsiteX6" y="connsiteY6"/>
+              </a:cxn>
+              <a:cxn ang="0">
+                <a:pos x="connsiteX7" y="connsiteY7"/>
+              </a:cxn>
+              <a:cxn ang="0">
+                <a:pos x="connsiteX8" y="connsiteY8"/>
+              </a:cxn>
+            </a:cxnLst>
+            <a:rect l="l" t="t" r="r" b="b"/>
+            <a:pathLst>
+              <a:path w="1654299" h="215009" fill="none" extrusionOk="0">
+                <a:moveTo>
+                  <a:pt x="0" y="0"/>
+                </a:moveTo>
+                <a:cubicBezTo>
+                  <a:pt x="210479" y="15519"/>
+                  <a:pt x="441142" y="5848"/>
+                  <a:pt x="584519" y="0"/>
+                </a:cubicBezTo>
+                <a:cubicBezTo>
+                  <a:pt x="727896" y="-5848"/>
+                  <a:pt x="990191" y="28206"/>
+                  <a:pt x="1152495" y="0"/>
+                </a:cubicBezTo>
+                <a:cubicBezTo>
+                  <a:pt x="1314799" y="-28206"/>
+                  <a:pt x="1409920" y="-13119"/>
+                  <a:pt x="1654299" y="0"/>
+                </a:cubicBezTo>
+                <a:cubicBezTo>
+                  <a:pt x="1649031" y="80377"/>
+                  <a:pt x="1652697" y="113549"/>
+                  <a:pt x="1654299" y="215009"/>
+                </a:cubicBezTo>
+                <a:cubicBezTo>
+                  <a:pt x="1506384" y="218396"/>
+                  <a:pt x="1272831" y="229618"/>
+                  <a:pt x="1135952" y="215009"/>
+                </a:cubicBezTo>
+                <a:cubicBezTo>
+                  <a:pt x="999073" y="200400"/>
+                  <a:pt x="848198" y="226202"/>
+                  <a:pt x="584519" y="215009"/>
+                </a:cubicBezTo>
+                <a:cubicBezTo>
+                  <a:pt x="320840" y="203816"/>
+                  <a:pt x="273152" y="222675"/>
+                  <a:pt x="0" y="215009"/>
+                </a:cubicBezTo>
+                <a:cubicBezTo>
+                  <a:pt x="-2438" y="123297"/>
+                  <a:pt x="-3410" y="83469"/>
+                  <a:pt x="0" y="0"/>
+                </a:cubicBezTo>
+                <a:close/>
+              </a:path>
+              <a:path w="1654299" h="215009" stroke="0" extrusionOk="0">
+                <a:moveTo>
+                  <a:pt x="0" y="0"/>
+                </a:moveTo>
+                <a:cubicBezTo>
+                  <a:pt x="216923" y="-21430"/>
+                  <a:pt x="293677" y="-7800"/>
+                  <a:pt x="534890" y="0"/>
+                </a:cubicBezTo>
+                <a:cubicBezTo>
+                  <a:pt x="776103" y="7800"/>
+                  <a:pt x="821079" y="-7366"/>
+                  <a:pt x="1036694" y="0"/>
+                </a:cubicBezTo>
+                <a:cubicBezTo>
+                  <a:pt x="1252309" y="7366"/>
+                  <a:pt x="1442164" y="16616"/>
+                  <a:pt x="1654299" y="0"/>
+                </a:cubicBezTo>
+                <a:cubicBezTo>
+                  <a:pt x="1661184" y="67152"/>
+                  <a:pt x="1644782" y="156295"/>
+                  <a:pt x="1654299" y="215009"/>
+                </a:cubicBezTo>
+                <a:cubicBezTo>
+                  <a:pt x="1396623" y="238631"/>
+                  <a:pt x="1378947" y="202620"/>
+                  <a:pt x="1135952" y="215009"/>
+                </a:cubicBezTo>
+                <a:cubicBezTo>
+                  <a:pt x="892957" y="227398"/>
+                  <a:pt x="765362" y="229871"/>
+                  <a:pt x="551433" y="215009"/>
+                </a:cubicBezTo>
+                <a:cubicBezTo>
+                  <a:pt x="337504" y="200147"/>
+                  <a:pt x="219438" y="194351"/>
+                  <a:pt x="0" y="215009"/>
+                </a:cubicBezTo>
+                <a:cubicBezTo>
+                  <a:pt x="5572" y="114517"/>
+                  <a:pt x="-6554" y="52986"/>
+                  <a:pt x="0" y="0"/>
+                </a:cubicBezTo>
+                <a:close/>
+              </a:path>
+            </a:pathLst>
+          </a:custGeom>
+          <a:solidFill>
+            <a:schemeClr val="accent4">
+              <a:lumMod val="60000"/>
+              <a:lumOff val="40000"/>
+            </a:schemeClr>
+          </a:solidFill>
+          <a:ln w="12700">
+            <a:solidFill>
+              <a:schemeClr val="tx1"/>
+            </a:solidFill>
+            <a:extLst>
+              <a:ext uri="{C807C97D-BFC1-408E-A445-0C87EB9F89A2}">
+                <ask:lineSketchStyleProps xmlns:ask="http://schemas.microsoft.com/office/drawing/2018/sketchyshapes" sd="1219033472">
+                  <a:prstGeom prst="rect">
+                    <a:avLst/>
+                  </a:prstGeom>
+                  <ask:type>
+                    <ask:lineSketchFreehand/>
+                  </ask:type>
+                </ask:lineSketchStyleProps>
+              </a:ext>
+            </a:extLst>
+          </a:ln>
+          <a:effectLst/>
+        </p:spPr>
+        <p:style>
+          <a:lnRef idx="1">
+            <a:schemeClr val="accent4"/>
+          </a:lnRef>
+          <a:fillRef idx="2">
+            <a:schemeClr val="accent4"/>
+          </a:fillRef>
+          <a:effectRef idx="1">
+            <a:schemeClr val="accent4"/>
+          </a:effectRef>
+          <a:fontRef idx="minor">
+            <a:schemeClr val="dk1"/>
+          </a:fontRef>
+        </p:style>
+        <p:txBody>
+          <a:bodyPr rtlCol="0" anchor="ctr"/>
+          <a:lstStyle/>
+          <a:p>
+            <a:pPr algn="ctr"/>
+            <a:r>
+              <a:rPr lang="en-US" sz="1200" dirty="0"/>
+              <a:t>Read into CPU</a:t>
+            </a:r>
+          </a:p>
+        </p:txBody>
+      </p:sp>
       <p:cxnSp>
         <p:nvCxnSpPr>
           <p:cNvPr id="20" name="Straight Arrow Connector 18">
@@ -11917,19 +12614,18 @@
           </p:cNvPr>
           <p:cNvCxnSpPr>
             <a:cxnSpLocks/>
-            <a:endCxn id="22" idx="0"/>
+            <a:stCxn id="6" idx="2"/>
+            <a:endCxn id="22" idx="3"/>
           </p:cNvCxnSpPr>
           <p:nvPr/>
         </p:nvCxnSpPr>
         <p:spPr>
           <a:xfrm rot="5400000">
-            <a:off x="757685" y="1913037"/>
-            <a:ext cx="3202830" cy="1217654"/>
+            <a:off x="1441447" y="1641723"/>
+            <a:ext cx="3371418" cy="1899472"/>
           </a:xfrm>
-          <a:prstGeom prst="curvedConnector3">
-            <a:avLst>
-              <a:gd name="adj1" fmla="val 50000"/>
-            </a:avLst>
+          <a:prstGeom prst="curvedConnector2">
+            <a:avLst/>
           </a:prstGeom>
           <a:ln w="38100">
             <a:solidFill>
@@ -14214,6 +14910,222 @@
           </p:txBody>
         </p:sp>
       </p:grpSp>
+      <p:sp>
+        <p:nvSpPr>
+          <p:cNvPr id="6" name="Rectangle 5">
+            <a:extLst>
+              <a:ext uri="{FF2B5EF4-FFF2-40B4-BE49-F238E27FC236}">
+                <a16:creationId xmlns:a16="http://schemas.microsoft.com/office/drawing/2014/main" id="{35570A78-7506-95C2-007C-30FA4D3BF37C}"/>
+              </a:ext>
+            </a:extLst>
+          </p:cNvPr>
+          <p:cNvSpPr/>
+          <p:nvPr/>
+        </p:nvSpPr>
+        <p:spPr>
+          <a:xfrm>
+            <a:off x="3230078" y="956214"/>
+            <a:ext cx="1995270" cy="238101"/>
+          </a:xfrm>
+          <a:custGeom>
+            <a:avLst/>
+            <a:gdLst>
+              <a:gd name="connsiteX0" fmla="*/ 0 w 1995270"/>
+              <a:gd name="connsiteY0" fmla="*/ 0 h 238101"/>
+              <a:gd name="connsiteX1" fmla="*/ 704995 w 1995270"/>
+              <a:gd name="connsiteY1" fmla="*/ 0 h 238101"/>
+              <a:gd name="connsiteX2" fmla="*/ 1390038 w 1995270"/>
+              <a:gd name="connsiteY2" fmla="*/ 0 h 238101"/>
+              <a:gd name="connsiteX3" fmla="*/ 1995270 w 1995270"/>
+              <a:gd name="connsiteY3" fmla="*/ 0 h 238101"/>
+              <a:gd name="connsiteX4" fmla="*/ 1995270 w 1995270"/>
+              <a:gd name="connsiteY4" fmla="*/ 238101 h 238101"/>
+              <a:gd name="connsiteX5" fmla="*/ 1370085 w 1995270"/>
+              <a:gd name="connsiteY5" fmla="*/ 238101 h 238101"/>
+              <a:gd name="connsiteX6" fmla="*/ 704995 w 1995270"/>
+              <a:gd name="connsiteY6" fmla="*/ 238101 h 238101"/>
+              <a:gd name="connsiteX7" fmla="*/ 0 w 1995270"/>
+              <a:gd name="connsiteY7" fmla="*/ 238101 h 238101"/>
+              <a:gd name="connsiteX8" fmla="*/ 0 w 1995270"/>
+              <a:gd name="connsiteY8" fmla="*/ 0 h 238101"/>
+            </a:gdLst>
+            <a:ahLst/>
+            <a:cxnLst>
+              <a:cxn ang="0">
+                <a:pos x="connsiteX0" y="connsiteY0"/>
+              </a:cxn>
+              <a:cxn ang="0">
+                <a:pos x="connsiteX1" y="connsiteY1"/>
+              </a:cxn>
+              <a:cxn ang="0">
+                <a:pos x="connsiteX2" y="connsiteY2"/>
+              </a:cxn>
+              <a:cxn ang="0">
+                <a:pos x="connsiteX3" y="connsiteY3"/>
+              </a:cxn>
+              <a:cxn ang="0">
+                <a:pos x="connsiteX4" y="connsiteY4"/>
+              </a:cxn>
+              <a:cxn ang="0">
+                <a:pos x="connsiteX5" y="connsiteY5"/>
+              </a:cxn>
+              <a:cxn ang="0">
+                <a:pos x="connsiteX6" y="connsiteY6"/>
+              </a:cxn>
+              <a:cxn ang="0">
+                <a:pos x="connsiteX7" y="connsiteY7"/>
+              </a:cxn>
+              <a:cxn ang="0">
+                <a:pos x="connsiteX8" y="connsiteY8"/>
+              </a:cxn>
+            </a:cxnLst>
+            <a:rect l="l" t="t" r="r" b="b"/>
+            <a:pathLst>
+              <a:path w="1995270" h="238101" fill="none" extrusionOk="0">
+                <a:moveTo>
+                  <a:pt x="0" y="0"/>
+                </a:moveTo>
+                <a:cubicBezTo>
+                  <a:pt x="270374" y="32118"/>
+                  <a:pt x="380831" y="-13488"/>
+                  <a:pt x="704995" y="0"/>
+                </a:cubicBezTo>
+                <a:cubicBezTo>
+                  <a:pt x="1029159" y="13488"/>
+                  <a:pt x="1152758" y="-24956"/>
+                  <a:pt x="1390038" y="0"/>
+                </a:cubicBezTo>
+                <a:cubicBezTo>
+                  <a:pt x="1627318" y="24956"/>
+                  <a:pt x="1731260" y="-8981"/>
+                  <a:pt x="1995270" y="0"/>
+                </a:cubicBezTo>
+                <a:cubicBezTo>
+                  <a:pt x="2002053" y="91700"/>
+                  <a:pt x="1998989" y="119685"/>
+                  <a:pt x="1995270" y="238101"/>
+                </a:cubicBezTo>
+                <a:cubicBezTo>
+                  <a:pt x="1802325" y="251597"/>
+                  <a:pt x="1619833" y="240547"/>
+                  <a:pt x="1370085" y="238101"/>
+                </a:cubicBezTo>
+                <a:cubicBezTo>
+                  <a:pt x="1120338" y="235655"/>
+                  <a:pt x="939235" y="245748"/>
+                  <a:pt x="704995" y="238101"/>
+                </a:cubicBezTo>
+                <a:cubicBezTo>
+                  <a:pt x="470755" y="230455"/>
+                  <a:pt x="171832" y="216948"/>
+                  <a:pt x="0" y="238101"/>
+                </a:cubicBezTo>
+                <a:cubicBezTo>
+                  <a:pt x="6521" y="143111"/>
+                  <a:pt x="4779" y="106560"/>
+                  <a:pt x="0" y="0"/>
+                </a:cubicBezTo>
+                <a:close/>
+              </a:path>
+              <a:path w="1995270" h="238101" stroke="0" extrusionOk="0">
+                <a:moveTo>
+                  <a:pt x="0" y="0"/>
+                </a:moveTo>
+                <a:cubicBezTo>
+                  <a:pt x="305296" y="-10615"/>
+                  <a:pt x="463082" y="-26080"/>
+                  <a:pt x="645137" y="0"/>
+                </a:cubicBezTo>
+                <a:cubicBezTo>
+                  <a:pt x="827192" y="26080"/>
+                  <a:pt x="1084759" y="13339"/>
+                  <a:pt x="1250369" y="0"/>
+                </a:cubicBezTo>
+                <a:cubicBezTo>
+                  <a:pt x="1415979" y="-13339"/>
+                  <a:pt x="1783286" y="36868"/>
+                  <a:pt x="1995270" y="0"/>
+                </a:cubicBezTo>
+                <a:cubicBezTo>
+                  <a:pt x="1984287" y="104354"/>
+                  <a:pt x="1987705" y="131812"/>
+                  <a:pt x="1995270" y="238101"/>
+                </a:cubicBezTo>
+                <a:cubicBezTo>
+                  <a:pt x="1705065" y="221477"/>
+                  <a:pt x="1509339" y="254296"/>
+                  <a:pt x="1370085" y="238101"/>
+                </a:cubicBezTo>
+                <a:cubicBezTo>
+                  <a:pt x="1230832" y="221906"/>
+                  <a:pt x="967949" y="238723"/>
+                  <a:pt x="665090" y="238101"/>
+                </a:cubicBezTo>
+                <a:cubicBezTo>
+                  <a:pt x="362232" y="237479"/>
+                  <a:pt x="166522" y="242224"/>
+                  <a:pt x="0" y="238101"/>
+                </a:cubicBezTo>
+                <a:cubicBezTo>
+                  <a:pt x="4378" y="189432"/>
+                  <a:pt x="4974" y="117930"/>
+                  <a:pt x="0" y="0"/>
+                </a:cubicBezTo>
+                <a:close/>
+              </a:path>
+            </a:pathLst>
+          </a:custGeom>
+          <a:solidFill>
+            <a:schemeClr val="accent4">
+              <a:lumMod val="60000"/>
+              <a:lumOff val="40000"/>
+            </a:schemeClr>
+          </a:solidFill>
+          <a:ln w="12700">
+            <a:solidFill>
+              <a:schemeClr val="tx1"/>
+            </a:solidFill>
+            <a:extLst>
+              <a:ext uri="{C807C97D-BFC1-408E-A445-0C87EB9F89A2}">
+                <ask:lineSketchStyleProps xmlns:ask="http://schemas.microsoft.com/office/drawing/2018/sketchyshapes" sd="1219033472">
+                  <a:prstGeom prst="rect">
+                    <a:avLst/>
+                  </a:prstGeom>
+                  <ask:type>
+                    <ask:lineSketchFreehand/>
+                  </ask:type>
+                </ask:lineSketchStyleProps>
+              </a:ext>
+            </a:extLst>
+          </a:ln>
+          <a:effectLst/>
+        </p:spPr>
+        <p:style>
+          <a:lnRef idx="1">
+            <a:schemeClr val="accent4"/>
+          </a:lnRef>
+          <a:fillRef idx="2">
+            <a:schemeClr val="accent4"/>
+          </a:fillRef>
+          <a:effectRef idx="1">
+            <a:schemeClr val="accent4"/>
+          </a:effectRef>
+          <a:fontRef idx="minor">
+            <a:schemeClr val="dk1"/>
+          </a:fontRef>
+        </p:style>
+        <p:txBody>
+          <a:bodyPr rtlCol="0" anchor="ctr"/>
+          <a:lstStyle/>
+          <a:p>
+            <a:pPr algn="ctr"/>
+            <a:r>
+              <a:rPr lang="en-US" sz="1200" dirty="0"/>
+              <a:t>Increment program counter</a:t>
+            </a:r>
+          </a:p>
+        </p:txBody>
+      </p:sp>
       <p:cxnSp>
         <p:nvCxnSpPr>
           <p:cNvPr id="20" name="Straight Arrow Connector 18">
@@ -14225,19 +15137,18 @@
           </p:cNvPr>
           <p:cNvCxnSpPr>
             <a:cxnSpLocks/>
-            <a:endCxn id="28" idx="0"/>
+            <a:stCxn id="6" idx="2"/>
+            <a:endCxn id="17" idx="3"/>
           </p:cNvCxnSpPr>
           <p:nvPr/>
         </p:nvCxnSpPr>
         <p:spPr>
           <a:xfrm rot="5400000">
-            <a:off x="789621" y="1818461"/>
-            <a:ext cx="2282674" cy="1004554"/>
+            <a:off x="1823304" y="1247490"/>
+            <a:ext cx="2457584" cy="2351235"/>
           </a:xfrm>
-          <a:prstGeom prst="curvedConnector3">
-            <a:avLst>
-              <a:gd name="adj1" fmla="val 50000"/>
-            </a:avLst>
+          <a:prstGeom prst="curvedConnector2">
+            <a:avLst/>
           </a:prstGeom>
           <a:ln w="38100">
             <a:solidFill>
@@ -16743,6 +17654,222 @@
           </a:p>
         </p:txBody>
       </p:sp>
+      <p:sp>
+        <p:nvSpPr>
+          <p:cNvPr id="7" name="Rectangle 6">
+            <a:extLst>
+              <a:ext uri="{FF2B5EF4-FFF2-40B4-BE49-F238E27FC236}">
+                <a16:creationId xmlns:a16="http://schemas.microsoft.com/office/drawing/2014/main" id="{646943BB-B8A6-B7FB-3ABD-809039250ACD}"/>
+              </a:ext>
+            </a:extLst>
+          </p:cNvPr>
+          <p:cNvSpPr/>
+          <p:nvPr/>
+        </p:nvSpPr>
+        <p:spPr>
+          <a:xfrm>
+            <a:off x="3249743" y="946379"/>
+            <a:ext cx="2089174" cy="247936"/>
+          </a:xfrm>
+          <a:custGeom>
+            <a:avLst/>
+            <a:gdLst>
+              <a:gd name="connsiteX0" fmla="*/ 0 w 2089174"/>
+              <a:gd name="connsiteY0" fmla="*/ 0 h 247936"/>
+              <a:gd name="connsiteX1" fmla="*/ 738175 w 2089174"/>
+              <a:gd name="connsiteY1" fmla="*/ 0 h 247936"/>
+              <a:gd name="connsiteX2" fmla="*/ 1455458 w 2089174"/>
+              <a:gd name="connsiteY2" fmla="*/ 0 h 247936"/>
+              <a:gd name="connsiteX3" fmla="*/ 2089174 w 2089174"/>
+              <a:gd name="connsiteY3" fmla="*/ 0 h 247936"/>
+              <a:gd name="connsiteX4" fmla="*/ 2089174 w 2089174"/>
+              <a:gd name="connsiteY4" fmla="*/ 247936 h 247936"/>
+              <a:gd name="connsiteX5" fmla="*/ 1434566 w 2089174"/>
+              <a:gd name="connsiteY5" fmla="*/ 247936 h 247936"/>
+              <a:gd name="connsiteX6" fmla="*/ 738175 w 2089174"/>
+              <a:gd name="connsiteY6" fmla="*/ 247936 h 247936"/>
+              <a:gd name="connsiteX7" fmla="*/ 0 w 2089174"/>
+              <a:gd name="connsiteY7" fmla="*/ 247936 h 247936"/>
+              <a:gd name="connsiteX8" fmla="*/ 0 w 2089174"/>
+              <a:gd name="connsiteY8" fmla="*/ 0 h 247936"/>
+            </a:gdLst>
+            <a:ahLst/>
+            <a:cxnLst>
+              <a:cxn ang="0">
+                <a:pos x="connsiteX0" y="connsiteY0"/>
+              </a:cxn>
+              <a:cxn ang="0">
+                <a:pos x="connsiteX1" y="connsiteY1"/>
+              </a:cxn>
+              <a:cxn ang="0">
+                <a:pos x="connsiteX2" y="connsiteY2"/>
+              </a:cxn>
+              <a:cxn ang="0">
+                <a:pos x="connsiteX3" y="connsiteY3"/>
+              </a:cxn>
+              <a:cxn ang="0">
+                <a:pos x="connsiteX4" y="connsiteY4"/>
+              </a:cxn>
+              <a:cxn ang="0">
+                <a:pos x="connsiteX5" y="connsiteY5"/>
+              </a:cxn>
+              <a:cxn ang="0">
+                <a:pos x="connsiteX6" y="connsiteY6"/>
+              </a:cxn>
+              <a:cxn ang="0">
+                <a:pos x="connsiteX7" y="connsiteY7"/>
+              </a:cxn>
+              <a:cxn ang="0">
+                <a:pos x="connsiteX8" y="connsiteY8"/>
+              </a:cxn>
+            </a:cxnLst>
+            <a:rect l="l" t="t" r="r" b="b"/>
+            <a:pathLst>
+              <a:path w="2089174" h="247936" fill="none" extrusionOk="0">
+                <a:moveTo>
+                  <a:pt x="0" y="0"/>
+                </a:moveTo>
+                <a:cubicBezTo>
+                  <a:pt x="319199" y="25158"/>
+                  <a:pt x="425259" y="-3538"/>
+                  <a:pt x="738175" y="0"/>
+                </a:cubicBezTo>
+                <a:cubicBezTo>
+                  <a:pt x="1051092" y="3538"/>
+                  <a:pt x="1259226" y="33945"/>
+                  <a:pt x="1455458" y="0"/>
+                </a:cubicBezTo>
+                <a:cubicBezTo>
+                  <a:pt x="1651690" y="-33945"/>
+                  <a:pt x="1790183" y="-12672"/>
+                  <a:pt x="2089174" y="0"/>
+                </a:cubicBezTo>
+                <a:cubicBezTo>
+                  <a:pt x="2098681" y="123467"/>
+                  <a:pt x="2090992" y="124590"/>
+                  <a:pt x="2089174" y="247936"/>
+                </a:cubicBezTo>
+                <a:cubicBezTo>
+                  <a:pt x="1908078" y="226201"/>
+                  <a:pt x="1746567" y="230865"/>
+                  <a:pt x="1434566" y="247936"/>
+                </a:cubicBezTo>
+                <a:cubicBezTo>
+                  <a:pt x="1122565" y="265007"/>
+                  <a:pt x="1032640" y="252235"/>
+                  <a:pt x="738175" y="247936"/>
+                </a:cubicBezTo>
+                <a:cubicBezTo>
+                  <a:pt x="443710" y="243637"/>
+                  <a:pt x="352581" y="260115"/>
+                  <a:pt x="0" y="247936"/>
+                </a:cubicBezTo>
+                <a:cubicBezTo>
+                  <a:pt x="2093" y="193031"/>
+                  <a:pt x="3636" y="63140"/>
+                  <a:pt x="0" y="0"/>
+                </a:cubicBezTo>
+                <a:close/>
+              </a:path>
+              <a:path w="2089174" h="247936" stroke="0" extrusionOk="0">
+                <a:moveTo>
+                  <a:pt x="0" y="0"/>
+                </a:moveTo>
+                <a:cubicBezTo>
+                  <a:pt x="161538" y="30812"/>
+                  <a:pt x="515527" y="33282"/>
+                  <a:pt x="675500" y="0"/>
+                </a:cubicBezTo>
+                <a:cubicBezTo>
+                  <a:pt x="835473" y="-33282"/>
+                  <a:pt x="1066292" y="1902"/>
+                  <a:pt x="1309216" y="0"/>
+                </a:cubicBezTo>
+                <a:cubicBezTo>
+                  <a:pt x="1552140" y="-1902"/>
+                  <a:pt x="1896471" y="-1764"/>
+                  <a:pt x="2089174" y="0"/>
+                </a:cubicBezTo>
+                <a:cubicBezTo>
+                  <a:pt x="2097799" y="89466"/>
+                  <a:pt x="2096403" y="146197"/>
+                  <a:pt x="2089174" y="247936"/>
+                </a:cubicBezTo>
+                <a:cubicBezTo>
+                  <a:pt x="1942691" y="251460"/>
+                  <a:pt x="1694023" y="269007"/>
+                  <a:pt x="1434566" y="247936"/>
+                </a:cubicBezTo>
+                <a:cubicBezTo>
+                  <a:pt x="1175109" y="226865"/>
+                  <a:pt x="969400" y="269428"/>
+                  <a:pt x="696391" y="247936"/>
+                </a:cubicBezTo>
+                <a:cubicBezTo>
+                  <a:pt x="423382" y="226444"/>
+                  <a:pt x="257422" y="219910"/>
+                  <a:pt x="0" y="247936"/>
+                </a:cubicBezTo>
+                <a:cubicBezTo>
+                  <a:pt x="-5061" y="137898"/>
+                  <a:pt x="-4893" y="122328"/>
+                  <a:pt x="0" y="0"/>
+                </a:cubicBezTo>
+                <a:close/>
+              </a:path>
+            </a:pathLst>
+          </a:custGeom>
+          <a:solidFill>
+            <a:schemeClr val="accent4">
+              <a:lumMod val="60000"/>
+              <a:lumOff val="40000"/>
+            </a:schemeClr>
+          </a:solidFill>
+          <a:ln w="12700">
+            <a:solidFill>
+              <a:schemeClr val="tx1"/>
+            </a:solidFill>
+            <a:extLst>
+              <a:ext uri="{C807C97D-BFC1-408E-A445-0C87EB9F89A2}">
+                <ask:lineSketchStyleProps xmlns:ask="http://schemas.microsoft.com/office/drawing/2018/sketchyshapes" sd="1219033472">
+                  <a:prstGeom prst="rect">
+                    <a:avLst/>
+                  </a:prstGeom>
+                  <ask:type>
+                    <ask:lineSketchFreehand/>
+                  </ask:type>
+                </ask:lineSketchStyleProps>
+              </a:ext>
+            </a:extLst>
+          </a:ln>
+          <a:effectLst/>
+        </p:spPr>
+        <p:style>
+          <a:lnRef idx="1">
+            <a:schemeClr val="accent4"/>
+          </a:lnRef>
+          <a:fillRef idx="2">
+            <a:schemeClr val="accent4"/>
+          </a:fillRef>
+          <a:effectRef idx="1">
+            <a:schemeClr val="accent4"/>
+          </a:effectRef>
+          <a:fontRef idx="minor">
+            <a:schemeClr val="dk1"/>
+          </a:fontRef>
+        </p:style>
+        <p:txBody>
+          <a:bodyPr rtlCol="0" anchor="ctr"/>
+          <a:lstStyle/>
+          <a:p>
+            <a:pPr algn="ctr"/>
+            <a:r>
+              <a:rPr lang="en-US" sz="1200" dirty="0"/>
+              <a:t>Read new instruction into CPU</a:t>
+            </a:r>
+          </a:p>
+        </p:txBody>
+      </p:sp>
       <p:cxnSp>
         <p:nvCxnSpPr>
           <p:cNvPr id="8" name="Straight Arrow Connector 18">
@@ -16754,19 +17881,18 @@
           </p:cNvPr>
           <p:cNvCxnSpPr>
             <a:cxnSpLocks/>
-            <a:endCxn id="22" idx="0"/>
+            <a:stCxn id="7" idx="2"/>
+            <a:endCxn id="22" idx="3"/>
           </p:cNvCxnSpPr>
           <p:nvPr/>
         </p:nvCxnSpPr>
         <p:spPr>
           <a:xfrm rot="5400000">
-            <a:off x="860041" y="2069636"/>
-            <a:ext cx="2943875" cy="1163410"/>
+            <a:off x="1694449" y="1677286"/>
+            <a:ext cx="3082853" cy="2116910"/>
           </a:xfrm>
-          <a:prstGeom prst="curvedConnector3">
-            <a:avLst>
-              <a:gd name="adj1" fmla="val 50000"/>
-            </a:avLst>
+          <a:prstGeom prst="curvedConnector2">
+            <a:avLst/>
           </a:prstGeom>
           <a:ln w="38100">
             <a:solidFill>
@@ -19426,6 +20552,222 @@
           </p:txBody>
         </p:sp>
       </p:grpSp>
+      <p:sp>
+        <p:nvSpPr>
+          <p:cNvPr id="6" name="Rectangle 5">
+            <a:extLst>
+              <a:ext uri="{FF2B5EF4-FFF2-40B4-BE49-F238E27FC236}">
+                <a16:creationId xmlns:a16="http://schemas.microsoft.com/office/drawing/2014/main" id="{35570A78-7506-95C2-007C-30FA4D3BF37C}"/>
+              </a:ext>
+            </a:extLst>
+          </p:cNvPr>
+          <p:cNvSpPr/>
+          <p:nvPr/>
+        </p:nvSpPr>
+        <p:spPr>
+          <a:xfrm>
+            <a:off x="3230078" y="1231518"/>
+            <a:ext cx="1995270" cy="238101"/>
+          </a:xfrm>
+          <a:custGeom>
+            <a:avLst/>
+            <a:gdLst>
+              <a:gd name="connsiteX0" fmla="*/ 0 w 1995270"/>
+              <a:gd name="connsiteY0" fmla="*/ 0 h 238101"/>
+              <a:gd name="connsiteX1" fmla="*/ 704995 w 1995270"/>
+              <a:gd name="connsiteY1" fmla="*/ 0 h 238101"/>
+              <a:gd name="connsiteX2" fmla="*/ 1390038 w 1995270"/>
+              <a:gd name="connsiteY2" fmla="*/ 0 h 238101"/>
+              <a:gd name="connsiteX3" fmla="*/ 1995270 w 1995270"/>
+              <a:gd name="connsiteY3" fmla="*/ 0 h 238101"/>
+              <a:gd name="connsiteX4" fmla="*/ 1995270 w 1995270"/>
+              <a:gd name="connsiteY4" fmla="*/ 238101 h 238101"/>
+              <a:gd name="connsiteX5" fmla="*/ 1370085 w 1995270"/>
+              <a:gd name="connsiteY5" fmla="*/ 238101 h 238101"/>
+              <a:gd name="connsiteX6" fmla="*/ 704995 w 1995270"/>
+              <a:gd name="connsiteY6" fmla="*/ 238101 h 238101"/>
+              <a:gd name="connsiteX7" fmla="*/ 0 w 1995270"/>
+              <a:gd name="connsiteY7" fmla="*/ 238101 h 238101"/>
+              <a:gd name="connsiteX8" fmla="*/ 0 w 1995270"/>
+              <a:gd name="connsiteY8" fmla="*/ 0 h 238101"/>
+            </a:gdLst>
+            <a:ahLst/>
+            <a:cxnLst>
+              <a:cxn ang="0">
+                <a:pos x="connsiteX0" y="connsiteY0"/>
+              </a:cxn>
+              <a:cxn ang="0">
+                <a:pos x="connsiteX1" y="connsiteY1"/>
+              </a:cxn>
+              <a:cxn ang="0">
+                <a:pos x="connsiteX2" y="connsiteY2"/>
+              </a:cxn>
+              <a:cxn ang="0">
+                <a:pos x="connsiteX3" y="connsiteY3"/>
+              </a:cxn>
+              <a:cxn ang="0">
+                <a:pos x="connsiteX4" y="connsiteY4"/>
+              </a:cxn>
+              <a:cxn ang="0">
+                <a:pos x="connsiteX5" y="connsiteY5"/>
+              </a:cxn>
+              <a:cxn ang="0">
+                <a:pos x="connsiteX6" y="connsiteY6"/>
+              </a:cxn>
+              <a:cxn ang="0">
+                <a:pos x="connsiteX7" y="connsiteY7"/>
+              </a:cxn>
+              <a:cxn ang="0">
+                <a:pos x="connsiteX8" y="connsiteY8"/>
+              </a:cxn>
+            </a:cxnLst>
+            <a:rect l="l" t="t" r="r" b="b"/>
+            <a:pathLst>
+              <a:path w="1995270" h="238101" fill="none" extrusionOk="0">
+                <a:moveTo>
+                  <a:pt x="0" y="0"/>
+                </a:moveTo>
+                <a:cubicBezTo>
+                  <a:pt x="270374" y="32118"/>
+                  <a:pt x="380831" y="-13488"/>
+                  <a:pt x="704995" y="0"/>
+                </a:cubicBezTo>
+                <a:cubicBezTo>
+                  <a:pt x="1029159" y="13488"/>
+                  <a:pt x="1152758" y="-24956"/>
+                  <a:pt x="1390038" y="0"/>
+                </a:cubicBezTo>
+                <a:cubicBezTo>
+                  <a:pt x="1627318" y="24956"/>
+                  <a:pt x="1731260" y="-8981"/>
+                  <a:pt x="1995270" y="0"/>
+                </a:cubicBezTo>
+                <a:cubicBezTo>
+                  <a:pt x="2002053" y="91700"/>
+                  <a:pt x="1998989" y="119685"/>
+                  <a:pt x="1995270" y="238101"/>
+                </a:cubicBezTo>
+                <a:cubicBezTo>
+                  <a:pt x="1802325" y="251597"/>
+                  <a:pt x="1619833" y="240547"/>
+                  <a:pt x="1370085" y="238101"/>
+                </a:cubicBezTo>
+                <a:cubicBezTo>
+                  <a:pt x="1120338" y="235655"/>
+                  <a:pt x="939235" y="245748"/>
+                  <a:pt x="704995" y="238101"/>
+                </a:cubicBezTo>
+                <a:cubicBezTo>
+                  <a:pt x="470755" y="230455"/>
+                  <a:pt x="171832" y="216948"/>
+                  <a:pt x="0" y="238101"/>
+                </a:cubicBezTo>
+                <a:cubicBezTo>
+                  <a:pt x="6521" y="143111"/>
+                  <a:pt x="4779" y="106560"/>
+                  <a:pt x="0" y="0"/>
+                </a:cubicBezTo>
+                <a:close/>
+              </a:path>
+              <a:path w="1995270" h="238101" stroke="0" extrusionOk="0">
+                <a:moveTo>
+                  <a:pt x="0" y="0"/>
+                </a:moveTo>
+                <a:cubicBezTo>
+                  <a:pt x="305296" y="-10615"/>
+                  <a:pt x="463082" y="-26080"/>
+                  <a:pt x="645137" y="0"/>
+                </a:cubicBezTo>
+                <a:cubicBezTo>
+                  <a:pt x="827192" y="26080"/>
+                  <a:pt x="1084759" y="13339"/>
+                  <a:pt x="1250369" y="0"/>
+                </a:cubicBezTo>
+                <a:cubicBezTo>
+                  <a:pt x="1415979" y="-13339"/>
+                  <a:pt x="1783286" y="36868"/>
+                  <a:pt x="1995270" y="0"/>
+                </a:cubicBezTo>
+                <a:cubicBezTo>
+                  <a:pt x="1984287" y="104354"/>
+                  <a:pt x="1987705" y="131812"/>
+                  <a:pt x="1995270" y="238101"/>
+                </a:cubicBezTo>
+                <a:cubicBezTo>
+                  <a:pt x="1705065" y="221477"/>
+                  <a:pt x="1509339" y="254296"/>
+                  <a:pt x="1370085" y="238101"/>
+                </a:cubicBezTo>
+                <a:cubicBezTo>
+                  <a:pt x="1230832" y="221906"/>
+                  <a:pt x="967949" y="238723"/>
+                  <a:pt x="665090" y="238101"/>
+                </a:cubicBezTo>
+                <a:cubicBezTo>
+                  <a:pt x="362232" y="237479"/>
+                  <a:pt x="166522" y="242224"/>
+                  <a:pt x="0" y="238101"/>
+                </a:cubicBezTo>
+                <a:cubicBezTo>
+                  <a:pt x="4378" y="189432"/>
+                  <a:pt x="4974" y="117930"/>
+                  <a:pt x="0" y="0"/>
+                </a:cubicBezTo>
+                <a:close/>
+              </a:path>
+            </a:pathLst>
+          </a:custGeom>
+          <a:solidFill>
+            <a:schemeClr val="accent4">
+              <a:lumMod val="60000"/>
+              <a:lumOff val="40000"/>
+            </a:schemeClr>
+          </a:solidFill>
+          <a:ln w="12700">
+            <a:solidFill>
+              <a:schemeClr val="tx1"/>
+            </a:solidFill>
+            <a:extLst>
+              <a:ext uri="{C807C97D-BFC1-408E-A445-0C87EB9F89A2}">
+                <ask:lineSketchStyleProps xmlns:ask="http://schemas.microsoft.com/office/drawing/2018/sketchyshapes" sd="1219033472">
+                  <a:prstGeom prst="rect">
+                    <a:avLst/>
+                  </a:prstGeom>
+                  <ask:type>
+                    <ask:lineSketchFreehand/>
+                  </ask:type>
+                </ask:lineSketchStyleProps>
+              </a:ext>
+            </a:extLst>
+          </a:ln>
+          <a:effectLst/>
+        </p:spPr>
+        <p:style>
+          <a:lnRef idx="1">
+            <a:schemeClr val="accent4"/>
+          </a:lnRef>
+          <a:fillRef idx="2">
+            <a:schemeClr val="accent4"/>
+          </a:fillRef>
+          <a:effectRef idx="1">
+            <a:schemeClr val="accent4"/>
+          </a:effectRef>
+          <a:fontRef idx="minor">
+            <a:schemeClr val="dk1"/>
+          </a:fontRef>
+        </p:style>
+        <p:txBody>
+          <a:bodyPr rtlCol="0" anchor="ctr"/>
+          <a:lstStyle/>
+          <a:p>
+            <a:pPr algn="ctr"/>
+            <a:r>
+              <a:rPr lang="en-US" sz="1200" dirty="0"/>
+              <a:t>Increment program counter</a:t>
+            </a:r>
+          </a:p>
+        </p:txBody>
+      </p:sp>
       <p:cxnSp>
         <p:nvCxnSpPr>
           <p:cNvPr id="20" name="Straight Arrow Connector 18">
@@ -19437,19 +20779,18 @@
           </p:cNvPr>
           <p:cNvCxnSpPr>
             <a:cxnSpLocks/>
-            <a:endCxn id="28" idx="0"/>
+            <a:stCxn id="6" idx="2"/>
+            <a:endCxn id="17" idx="3"/>
           </p:cNvCxnSpPr>
           <p:nvPr/>
         </p:nvCxnSpPr>
         <p:spPr>
           <a:xfrm rot="5400000">
-            <a:off x="923136" y="1959723"/>
-            <a:ext cx="2007898" cy="996807"/>
+            <a:off x="1960956" y="1385142"/>
+            <a:ext cx="2182280" cy="2351235"/>
           </a:xfrm>
-          <a:prstGeom prst="curvedConnector3">
-            <a:avLst>
-              <a:gd name="adj1" fmla="val 50000"/>
-            </a:avLst>
+          <a:prstGeom prst="curvedConnector2">
+            <a:avLst/>
           </a:prstGeom>
           <a:ln w="38100">
             <a:solidFill>
